--- a/doc/draw.pptx
+++ b/doc/draw.pptx
@@ -10,6 +10,7 @@
     <p:sldId id="258" r:id="rId4"/>
     <p:sldId id="259" r:id="rId5"/>
     <p:sldId id="260" r:id="rId6"/>
+    <p:sldId id="261" r:id="rId7"/>
   </p:sldIdLst>
   <p:sldSz cx="12192000" cy="6858000"/>
   <p:notesSz cx="6858000" cy="9144000"/>
@@ -23025,6 +23026,1159 @@
 </p:sld>
 </file>
 
+<file path=ppt/slides/slide6.xml><?xml version="1.0" encoding="utf-8"?>
+<p:sld xmlns:a="http://schemas.openxmlformats.org/drawingml/2006/main" xmlns:r="http://schemas.openxmlformats.org/officeDocument/2006/relationships" xmlns:p="http://schemas.openxmlformats.org/presentationml/2006/main">
+  <p:cSld>
+    <p:spTree>
+      <p:nvGrpSpPr>
+        <p:cNvPr id="1" name=""/>
+        <p:cNvGrpSpPr/>
+        <p:nvPr/>
+      </p:nvGrpSpPr>
+      <p:grpSpPr>
+        <a:xfrm>
+          <a:off x="0" y="0"/>
+          <a:ext cx="0" cy="0"/>
+          <a:chOff x="0" y="0"/>
+          <a:chExt cx="0" cy="0"/>
+        </a:xfrm>
+      </p:grpSpPr>
+      <p:grpSp>
+        <p:nvGrpSpPr>
+          <p:cNvPr id="2" name="组合 1">
+            <a:extLst>
+              <a:ext uri="{FF2B5EF4-FFF2-40B4-BE49-F238E27FC236}">
+                <a16:creationId xmlns:a16="http://schemas.microsoft.com/office/drawing/2014/main" id="{EFFEDC5C-94D4-40D3-A4E7-169904581570}"/>
+              </a:ext>
+            </a:extLst>
+          </p:cNvPr>
+          <p:cNvGrpSpPr/>
+          <p:nvPr/>
+        </p:nvGrpSpPr>
+        <p:grpSpPr>
+          <a:xfrm>
+            <a:off x="3541327" y="529448"/>
+            <a:ext cx="1734343" cy="1734343"/>
+            <a:chOff x="1356108" y="1842161"/>
+            <a:chExt cx="1734343" cy="1734343"/>
+          </a:xfrm>
+        </p:grpSpPr>
+        <p:sp>
+          <p:nvSpPr>
+            <p:cNvPr id="3" name="椭圆 2">
+              <a:extLst>
+                <a:ext uri="{FF2B5EF4-FFF2-40B4-BE49-F238E27FC236}">
+                  <a16:creationId xmlns:a16="http://schemas.microsoft.com/office/drawing/2014/main" id="{27EEE8FF-FAC8-47DC-B882-091407DD75BA}"/>
+                </a:ext>
+              </a:extLst>
+            </p:cNvPr>
+            <p:cNvSpPr/>
+            <p:nvPr/>
+          </p:nvSpPr>
+          <p:spPr>
+            <a:xfrm>
+              <a:off x="1356108" y="1842161"/>
+              <a:ext cx="1734343" cy="1734343"/>
+            </a:xfrm>
+            <a:prstGeom prst="ellipse">
+              <a:avLst/>
+            </a:prstGeom>
+          </p:spPr>
+          <p:style>
+            <a:lnRef idx="2">
+              <a:schemeClr val="accent6">
+                <a:shade val="80000"/>
+                <a:hueOff val="0"/>
+                <a:satOff val="0"/>
+                <a:lumOff val="0"/>
+                <a:alphaOff val="0"/>
+              </a:schemeClr>
+            </a:lnRef>
+            <a:fillRef idx="1">
+              <a:schemeClr val="lt1">
+                <a:hueOff val="0"/>
+                <a:satOff val="0"/>
+                <a:lumOff val="0"/>
+                <a:alphaOff val="0"/>
+              </a:schemeClr>
+            </a:fillRef>
+            <a:effectRef idx="0">
+              <a:schemeClr val="lt1">
+                <a:hueOff val="0"/>
+                <a:satOff val="0"/>
+                <a:lumOff val="0"/>
+                <a:alphaOff val="0"/>
+              </a:schemeClr>
+            </a:effectRef>
+            <a:fontRef idx="minor">
+              <a:schemeClr val="dk1">
+                <a:hueOff val="0"/>
+                <a:satOff val="0"/>
+                <a:lumOff val="0"/>
+                <a:alphaOff val="0"/>
+              </a:schemeClr>
+            </a:fontRef>
+          </p:style>
+        </p:sp>
+        <p:sp>
+          <p:nvSpPr>
+            <p:cNvPr id="4" name="椭圆 4">
+              <a:extLst>
+                <a:ext uri="{FF2B5EF4-FFF2-40B4-BE49-F238E27FC236}">
+                  <a16:creationId xmlns:a16="http://schemas.microsoft.com/office/drawing/2014/main" id="{9CE51C3A-98C5-40DF-8252-2248FB18EFA8}"/>
+                </a:ext>
+              </a:extLst>
+            </p:cNvPr>
+            <p:cNvSpPr txBox="1"/>
+            <p:nvPr/>
+          </p:nvSpPr>
+          <p:spPr>
+            <a:xfrm>
+              <a:off x="1610097" y="2096150"/>
+              <a:ext cx="1226365" cy="1226365"/>
+            </a:xfrm>
+            <a:prstGeom prst="rect">
+              <a:avLst/>
+            </a:prstGeom>
+          </p:spPr>
+          <p:style>
+            <a:lnRef idx="0">
+              <a:scrgbClr r="0" g="0" b="0"/>
+            </a:lnRef>
+            <a:fillRef idx="0">
+              <a:scrgbClr r="0" g="0" b="0"/>
+            </a:fillRef>
+            <a:effectRef idx="0">
+              <a:scrgbClr r="0" g="0" b="0"/>
+            </a:effectRef>
+            <a:fontRef idx="minor">
+              <a:schemeClr val="dk1">
+                <a:hueOff val="0"/>
+                <a:satOff val="0"/>
+                <a:lumOff val="0"/>
+                <a:alphaOff val="0"/>
+              </a:schemeClr>
+            </a:fontRef>
+          </p:style>
+          <p:txBody>
+            <a:bodyPr spcFirstLastPara="0" vert="horz" wrap="square" lIns="30480" tIns="30480" rIns="30480" bIns="30480" numCol="1" spcCol="1270" anchor="ctr" anchorCtr="0">
+              <a:noAutofit/>
+            </a:bodyPr>
+            <a:lstStyle/>
+            <a:p>
+              <a:pPr marL="0" lvl="0" indent="0" algn="ctr" defTabSz="1066800">
+                <a:lnSpc>
+                  <a:spcPct val="90000"/>
+                </a:lnSpc>
+                <a:spcBef>
+                  <a:spcPct val="0"/>
+                </a:spcBef>
+                <a:spcAft>
+                  <a:spcPct val="35000"/>
+                </a:spcAft>
+                <a:buNone/>
+              </a:pPr>
+              <a:r>
+                <a:rPr lang="en-US" altLang="zh-CN" sz="2400" kern="1200" dirty="0"/>
+                <a:t>IDLE</a:t>
+              </a:r>
+              <a:endParaRPr lang="zh-CN" altLang="en-US" sz="2400" kern="1200" dirty="0"/>
+            </a:p>
+          </p:txBody>
+        </p:sp>
+      </p:grpSp>
+      <p:grpSp>
+        <p:nvGrpSpPr>
+          <p:cNvPr id="8" name="组合 7">
+            <a:extLst>
+              <a:ext uri="{FF2B5EF4-FFF2-40B4-BE49-F238E27FC236}">
+                <a16:creationId xmlns:a16="http://schemas.microsoft.com/office/drawing/2014/main" id="{67C37510-3F46-4A6F-BC94-0483C09CF80D}"/>
+              </a:ext>
+            </a:extLst>
+          </p:cNvPr>
+          <p:cNvGrpSpPr/>
+          <p:nvPr/>
+        </p:nvGrpSpPr>
+        <p:grpSpPr>
+          <a:xfrm rot="16200000">
+            <a:off x="4170182" y="2667695"/>
+            <a:ext cx="476633" cy="606118"/>
+            <a:chOff x="3298179" y="2929214"/>
+            <a:chExt cx="476633" cy="606118"/>
+          </a:xfrm>
+        </p:grpSpPr>
+        <p:sp>
+          <p:nvSpPr>
+            <p:cNvPr id="9" name="箭头: 右 8">
+              <a:extLst>
+                <a:ext uri="{FF2B5EF4-FFF2-40B4-BE49-F238E27FC236}">
+                  <a16:creationId xmlns:a16="http://schemas.microsoft.com/office/drawing/2014/main" id="{0D1DF47F-5A2C-40D4-B22A-4EA03D6E07CC}"/>
+                </a:ext>
+              </a:extLst>
+            </p:cNvPr>
+            <p:cNvSpPr/>
+            <p:nvPr/>
+          </p:nvSpPr>
+          <p:spPr>
+            <a:xfrm rot="10800000">
+              <a:off x="3298179" y="2929214"/>
+              <a:ext cx="476633" cy="606118"/>
+            </a:xfrm>
+            <a:prstGeom prst="rightArrow">
+              <a:avLst>
+                <a:gd name="adj1" fmla="val 60000"/>
+                <a:gd name="adj2" fmla="val 50000"/>
+              </a:avLst>
+            </a:prstGeom>
+          </p:spPr>
+          <p:style>
+            <a:lnRef idx="0">
+              <a:schemeClr val="accent6">
+                <a:tint val="60000"/>
+                <a:hueOff val="0"/>
+                <a:satOff val="0"/>
+                <a:lumOff val="0"/>
+                <a:alphaOff val="0"/>
+              </a:schemeClr>
+            </a:lnRef>
+            <a:fillRef idx="1">
+              <a:schemeClr val="accent6">
+                <a:tint val="60000"/>
+                <a:hueOff val="0"/>
+                <a:satOff val="0"/>
+                <a:lumOff val="0"/>
+                <a:alphaOff val="0"/>
+              </a:schemeClr>
+            </a:fillRef>
+            <a:effectRef idx="0">
+              <a:schemeClr val="accent6">
+                <a:tint val="60000"/>
+                <a:hueOff val="0"/>
+                <a:satOff val="0"/>
+                <a:lumOff val="0"/>
+                <a:alphaOff val="0"/>
+              </a:schemeClr>
+            </a:effectRef>
+            <a:fontRef idx="minor">
+              <a:schemeClr val="dk1">
+                <a:hueOff val="0"/>
+                <a:satOff val="0"/>
+                <a:lumOff val="0"/>
+                <a:alphaOff val="0"/>
+              </a:schemeClr>
+            </a:fontRef>
+          </p:style>
+        </p:sp>
+        <p:sp>
+          <p:nvSpPr>
+            <p:cNvPr id="10" name="箭头: 右 4">
+              <a:extLst>
+                <a:ext uri="{FF2B5EF4-FFF2-40B4-BE49-F238E27FC236}">
+                  <a16:creationId xmlns:a16="http://schemas.microsoft.com/office/drawing/2014/main" id="{E9AE2F34-C3B4-436C-8250-3B0DE0D1C407}"/>
+                </a:ext>
+              </a:extLst>
+            </p:cNvPr>
+            <p:cNvSpPr txBox="1"/>
+            <p:nvPr/>
+          </p:nvSpPr>
+          <p:spPr>
+            <a:xfrm rot="21600000">
+              <a:off x="3441169" y="3050438"/>
+              <a:ext cx="333643" cy="363670"/>
+            </a:xfrm>
+            <a:prstGeom prst="rect">
+              <a:avLst/>
+            </a:prstGeom>
+          </p:spPr>
+          <p:style>
+            <a:lnRef idx="0">
+              <a:scrgbClr r="0" g="0" b="0"/>
+            </a:lnRef>
+            <a:fillRef idx="0">
+              <a:scrgbClr r="0" g="0" b="0"/>
+            </a:fillRef>
+            <a:effectRef idx="0">
+              <a:scrgbClr r="0" g="0" b="0"/>
+            </a:effectRef>
+            <a:fontRef idx="minor">
+              <a:schemeClr val="dk1">
+                <a:hueOff val="0"/>
+                <a:satOff val="0"/>
+                <a:lumOff val="0"/>
+                <a:alphaOff val="0"/>
+              </a:schemeClr>
+            </a:fontRef>
+          </p:style>
+          <p:txBody>
+            <a:bodyPr spcFirstLastPara="0" vert="horz" wrap="square" lIns="0" tIns="0" rIns="0" bIns="0" numCol="1" spcCol="1270" anchor="ctr" anchorCtr="0">
+              <a:noAutofit/>
+            </a:bodyPr>
+            <a:lstStyle/>
+            <a:p>
+              <a:pPr marL="0" lvl="0" indent="0" algn="ctr" defTabSz="977900">
+                <a:lnSpc>
+                  <a:spcPct val="90000"/>
+                </a:lnSpc>
+                <a:spcBef>
+                  <a:spcPct val="0"/>
+                </a:spcBef>
+                <a:spcAft>
+                  <a:spcPct val="35000"/>
+                </a:spcAft>
+                <a:buNone/>
+              </a:pPr>
+              <a:endParaRPr lang="zh-CN" altLang="en-US" sz="2200" kern="1200"/>
+            </a:p>
+          </p:txBody>
+        </p:sp>
+      </p:grpSp>
+      <p:grpSp>
+        <p:nvGrpSpPr>
+          <p:cNvPr id="11" name="组合 10">
+            <a:extLst>
+              <a:ext uri="{FF2B5EF4-FFF2-40B4-BE49-F238E27FC236}">
+                <a16:creationId xmlns:a16="http://schemas.microsoft.com/office/drawing/2014/main" id="{2D617FC7-24B8-46D6-BFF5-7E0886B0ACDF}"/>
+              </a:ext>
+            </a:extLst>
+          </p:cNvPr>
+          <p:cNvGrpSpPr/>
+          <p:nvPr/>
+        </p:nvGrpSpPr>
+        <p:grpSpPr>
+          <a:xfrm>
+            <a:off x="3541326" y="3600597"/>
+            <a:ext cx="1734343" cy="1734343"/>
+            <a:chOff x="1356108" y="1842161"/>
+            <a:chExt cx="1734343" cy="1734343"/>
+          </a:xfrm>
+        </p:grpSpPr>
+        <p:sp>
+          <p:nvSpPr>
+            <p:cNvPr id="12" name="椭圆 11">
+              <a:extLst>
+                <a:ext uri="{FF2B5EF4-FFF2-40B4-BE49-F238E27FC236}">
+                  <a16:creationId xmlns:a16="http://schemas.microsoft.com/office/drawing/2014/main" id="{EC9B3A4E-1DB0-478C-BCD0-35A3EE9EB458}"/>
+                </a:ext>
+              </a:extLst>
+            </p:cNvPr>
+            <p:cNvSpPr/>
+            <p:nvPr/>
+          </p:nvSpPr>
+          <p:spPr>
+            <a:xfrm>
+              <a:off x="1356108" y="1842161"/>
+              <a:ext cx="1734343" cy="1734343"/>
+            </a:xfrm>
+            <a:prstGeom prst="ellipse">
+              <a:avLst/>
+            </a:prstGeom>
+          </p:spPr>
+          <p:style>
+            <a:lnRef idx="2">
+              <a:schemeClr val="accent6">
+                <a:shade val="80000"/>
+                <a:hueOff val="0"/>
+                <a:satOff val="0"/>
+                <a:lumOff val="0"/>
+                <a:alphaOff val="0"/>
+              </a:schemeClr>
+            </a:lnRef>
+            <a:fillRef idx="1">
+              <a:schemeClr val="lt1">
+                <a:hueOff val="0"/>
+                <a:satOff val="0"/>
+                <a:lumOff val="0"/>
+                <a:alphaOff val="0"/>
+              </a:schemeClr>
+            </a:fillRef>
+            <a:effectRef idx="0">
+              <a:schemeClr val="lt1">
+                <a:hueOff val="0"/>
+                <a:satOff val="0"/>
+                <a:lumOff val="0"/>
+                <a:alphaOff val="0"/>
+              </a:schemeClr>
+            </a:effectRef>
+            <a:fontRef idx="minor">
+              <a:schemeClr val="dk1">
+                <a:hueOff val="0"/>
+                <a:satOff val="0"/>
+                <a:lumOff val="0"/>
+                <a:alphaOff val="0"/>
+              </a:schemeClr>
+            </a:fontRef>
+          </p:style>
+        </p:sp>
+        <p:sp>
+          <p:nvSpPr>
+            <p:cNvPr id="13" name="椭圆 4">
+              <a:extLst>
+                <a:ext uri="{FF2B5EF4-FFF2-40B4-BE49-F238E27FC236}">
+                  <a16:creationId xmlns:a16="http://schemas.microsoft.com/office/drawing/2014/main" id="{7D3AFE6C-9394-48BA-AD90-7E2C359E3B8F}"/>
+                </a:ext>
+              </a:extLst>
+            </p:cNvPr>
+            <p:cNvSpPr txBox="1"/>
+            <p:nvPr/>
+          </p:nvSpPr>
+          <p:spPr>
+            <a:xfrm>
+              <a:off x="1610097" y="2096150"/>
+              <a:ext cx="1226365" cy="1226365"/>
+            </a:xfrm>
+            <a:prstGeom prst="rect">
+              <a:avLst/>
+            </a:prstGeom>
+          </p:spPr>
+          <p:style>
+            <a:lnRef idx="0">
+              <a:scrgbClr r="0" g="0" b="0"/>
+            </a:lnRef>
+            <a:fillRef idx="0">
+              <a:scrgbClr r="0" g="0" b="0"/>
+            </a:fillRef>
+            <a:effectRef idx="0">
+              <a:scrgbClr r="0" g="0" b="0"/>
+            </a:effectRef>
+            <a:fontRef idx="minor">
+              <a:schemeClr val="dk1">
+                <a:hueOff val="0"/>
+                <a:satOff val="0"/>
+                <a:lumOff val="0"/>
+                <a:alphaOff val="0"/>
+              </a:schemeClr>
+            </a:fontRef>
+          </p:style>
+          <p:txBody>
+            <a:bodyPr spcFirstLastPara="0" vert="horz" wrap="square" lIns="30480" tIns="30480" rIns="30480" bIns="30480" numCol="1" spcCol="1270" anchor="ctr" anchorCtr="0">
+              <a:noAutofit/>
+            </a:bodyPr>
+            <a:lstStyle/>
+            <a:p>
+              <a:pPr marL="0" lvl="0" indent="0" algn="ctr" defTabSz="1066800">
+                <a:lnSpc>
+                  <a:spcPct val="90000"/>
+                </a:lnSpc>
+                <a:spcBef>
+                  <a:spcPct val="0"/>
+                </a:spcBef>
+                <a:spcAft>
+                  <a:spcPct val="35000"/>
+                </a:spcAft>
+                <a:buNone/>
+              </a:pPr>
+              <a:r>
+                <a:rPr lang="en-US" altLang="zh-CN" sz="2400" dirty="0"/>
+                <a:t>READY</a:t>
+              </a:r>
+              <a:endParaRPr lang="zh-CN" altLang="en-US" sz="2400" kern="1200" dirty="0"/>
+            </a:p>
+          </p:txBody>
+        </p:sp>
+      </p:grpSp>
+      <p:grpSp>
+        <p:nvGrpSpPr>
+          <p:cNvPr id="14" name="组合 13">
+            <a:extLst>
+              <a:ext uri="{FF2B5EF4-FFF2-40B4-BE49-F238E27FC236}">
+                <a16:creationId xmlns:a16="http://schemas.microsoft.com/office/drawing/2014/main" id="{15BFE2E4-5F4F-4BB4-B42B-FC8F37447D31}"/>
+              </a:ext>
+            </a:extLst>
+          </p:cNvPr>
+          <p:cNvGrpSpPr/>
+          <p:nvPr/>
+        </p:nvGrpSpPr>
+        <p:grpSpPr>
+          <a:xfrm>
+            <a:off x="6916333" y="3600597"/>
+            <a:ext cx="1734343" cy="1734343"/>
+            <a:chOff x="1356108" y="1842161"/>
+            <a:chExt cx="1734343" cy="1734343"/>
+          </a:xfrm>
+        </p:grpSpPr>
+        <p:sp>
+          <p:nvSpPr>
+            <p:cNvPr id="15" name="椭圆 14">
+              <a:extLst>
+                <a:ext uri="{FF2B5EF4-FFF2-40B4-BE49-F238E27FC236}">
+                  <a16:creationId xmlns:a16="http://schemas.microsoft.com/office/drawing/2014/main" id="{4923C65D-221E-4169-A538-021E65966EF3}"/>
+                </a:ext>
+              </a:extLst>
+            </p:cNvPr>
+            <p:cNvSpPr/>
+            <p:nvPr/>
+          </p:nvSpPr>
+          <p:spPr>
+            <a:xfrm>
+              <a:off x="1356108" y="1842161"/>
+              <a:ext cx="1734343" cy="1734343"/>
+            </a:xfrm>
+            <a:prstGeom prst="ellipse">
+              <a:avLst/>
+            </a:prstGeom>
+          </p:spPr>
+          <p:style>
+            <a:lnRef idx="2">
+              <a:schemeClr val="accent6">
+                <a:shade val="80000"/>
+                <a:hueOff val="0"/>
+                <a:satOff val="0"/>
+                <a:lumOff val="0"/>
+                <a:alphaOff val="0"/>
+              </a:schemeClr>
+            </a:lnRef>
+            <a:fillRef idx="1">
+              <a:schemeClr val="lt1">
+                <a:hueOff val="0"/>
+                <a:satOff val="0"/>
+                <a:lumOff val="0"/>
+                <a:alphaOff val="0"/>
+              </a:schemeClr>
+            </a:fillRef>
+            <a:effectRef idx="0">
+              <a:schemeClr val="lt1">
+                <a:hueOff val="0"/>
+                <a:satOff val="0"/>
+                <a:lumOff val="0"/>
+                <a:alphaOff val="0"/>
+              </a:schemeClr>
+            </a:effectRef>
+            <a:fontRef idx="minor">
+              <a:schemeClr val="dk1">
+                <a:hueOff val="0"/>
+                <a:satOff val="0"/>
+                <a:lumOff val="0"/>
+                <a:alphaOff val="0"/>
+              </a:schemeClr>
+            </a:fontRef>
+          </p:style>
+        </p:sp>
+        <p:sp>
+          <p:nvSpPr>
+            <p:cNvPr id="16" name="椭圆 4">
+              <a:extLst>
+                <a:ext uri="{FF2B5EF4-FFF2-40B4-BE49-F238E27FC236}">
+                  <a16:creationId xmlns:a16="http://schemas.microsoft.com/office/drawing/2014/main" id="{5C34BBDF-66F8-4106-B15A-97610E867779}"/>
+                </a:ext>
+              </a:extLst>
+            </p:cNvPr>
+            <p:cNvSpPr txBox="1"/>
+            <p:nvPr/>
+          </p:nvSpPr>
+          <p:spPr>
+            <a:xfrm>
+              <a:off x="1584564" y="2096149"/>
+              <a:ext cx="1277430" cy="1226365"/>
+            </a:xfrm>
+            <a:prstGeom prst="rect">
+              <a:avLst/>
+            </a:prstGeom>
+          </p:spPr>
+          <p:style>
+            <a:lnRef idx="0">
+              <a:scrgbClr r="0" g="0" b="0"/>
+            </a:lnRef>
+            <a:fillRef idx="0">
+              <a:scrgbClr r="0" g="0" b="0"/>
+            </a:fillRef>
+            <a:effectRef idx="0">
+              <a:scrgbClr r="0" g="0" b="0"/>
+            </a:effectRef>
+            <a:fontRef idx="minor">
+              <a:schemeClr val="dk1">
+                <a:hueOff val="0"/>
+                <a:satOff val="0"/>
+                <a:lumOff val="0"/>
+                <a:alphaOff val="0"/>
+              </a:schemeClr>
+            </a:fontRef>
+          </p:style>
+          <p:txBody>
+            <a:bodyPr spcFirstLastPara="0" vert="horz" wrap="square" lIns="30480" tIns="30480" rIns="30480" bIns="30480" numCol="1" spcCol="1270" anchor="ctr" anchorCtr="0">
+              <a:noAutofit/>
+            </a:bodyPr>
+            <a:lstStyle/>
+            <a:p>
+              <a:pPr marL="0" lvl="0" indent="0" algn="ctr" defTabSz="1066800">
+                <a:lnSpc>
+                  <a:spcPct val="90000"/>
+                </a:lnSpc>
+                <a:spcBef>
+                  <a:spcPct val="0"/>
+                </a:spcBef>
+                <a:spcAft>
+                  <a:spcPct val="35000"/>
+                </a:spcAft>
+                <a:buNone/>
+              </a:pPr>
+              <a:r>
+                <a:rPr lang="en-US" altLang="zh-CN" sz="2400" dirty="0"/>
+                <a:t>PLAYING</a:t>
+              </a:r>
+              <a:endParaRPr lang="zh-CN" altLang="en-US" sz="2400" kern="1200" dirty="0"/>
+            </a:p>
+          </p:txBody>
+        </p:sp>
+      </p:grpSp>
+      <p:grpSp>
+        <p:nvGrpSpPr>
+          <p:cNvPr id="17" name="组合 16">
+            <a:extLst>
+              <a:ext uri="{FF2B5EF4-FFF2-40B4-BE49-F238E27FC236}">
+                <a16:creationId xmlns:a16="http://schemas.microsoft.com/office/drawing/2014/main" id="{6D86E500-52CD-46BF-BBB3-D62B957096A9}"/>
+              </a:ext>
+            </a:extLst>
+          </p:cNvPr>
+          <p:cNvGrpSpPr/>
+          <p:nvPr/>
+        </p:nvGrpSpPr>
+        <p:grpSpPr>
+          <a:xfrm rot="10800000">
+            <a:off x="5857684" y="4164709"/>
+            <a:ext cx="476633" cy="606118"/>
+            <a:chOff x="3298179" y="2929214"/>
+            <a:chExt cx="476633" cy="606118"/>
+          </a:xfrm>
+        </p:grpSpPr>
+        <p:sp>
+          <p:nvSpPr>
+            <p:cNvPr id="18" name="箭头: 右 17">
+              <a:extLst>
+                <a:ext uri="{FF2B5EF4-FFF2-40B4-BE49-F238E27FC236}">
+                  <a16:creationId xmlns:a16="http://schemas.microsoft.com/office/drawing/2014/main" id="{21A99EDE-28AD-4C42-9404-A175B00EF370}"/>
+                </a:ext>
+              </a:extLst>
+            </p:cNvPr>
+            <p:cNvSpPr/>
+            <p:nvPr/>
+          </p:nvSpPr>
+          <p:spPr>
+            <a:xfrm rot="10800000">
+              <a:off x="3298179" y="2929214"/>
+              <a:ext cx="476633" cy="606118"/>
+            </a:xfrm>
+            <a:prstGeom prst="rightArrow">
+              <a:avLst>
+                <a:gd name="adj1" fmla="val 60000"/>
+                <a:gd name="adj2" fmla="val 50000"/>
+              </a:avLst>
+            </a:prstGeom>
+          </p:spPr>
+          <p:style>
+            <a:lnRef idx="0">
+              <a:schemeClr val="accent6">
+                <a:tint val="60000"/>
+                <a:hueOff val="0"/>
+                <a:satOff val="0"/>
+                <a:lumOff val="0"/>
+                <a:alphaOff val="0"/>
+              </a:schemeClr>
+            </a:lnRef>
+            <a:fillRef idx="1">
+              <a:schemeClr val="accent6">
+                <a:tint val="60000"/>
+                <a:hueOff val="0"/>
+                <a:satOff val="0"/>
+                <a:lumOff val="0"/>
+                <a:alphaOff val="0"/>
+              </a:schemeClr>
+            </a:fillRef>
+            <a:effectRef idx="0">
+              <a:schemeClr val="accent6">
+                <a:tint val="60000"/>
+                <a:hueOff val="0"/>
+                <a:satOff val="0"/>
+                <a:lumOff val="0"/>
+                <a:alphaOff val="0"/>
+              </a:schemeClr>
+            </a:effectRef>
+            <a:fontRef idx="minor">
+              <a:schemeClr val="dk1">
+                <a:hueOff val="0"/>
+                <a:satOff val="0"/>
+                <a:lumOff val="0"/>
+                <a:alphaOff val="0"/>
+              </a:schemeClr>
+            </a:fontRef>
+          </p:style>
+        </p:sp>
+        <p:sp>
+          <p:nvSpPr>
+            <p:cNvPr id="19" name="箭头: 右 4">
+              <a:extLst>
+                <a:ext uri="{FF2B5EF4-FFF2-40B4-BE49-F238E27FC236}">
+                  <a16:creationId xmlns:a16="http://schemas.microsoft.com/office/drawing/2014/main" id="{DD8F948E-5357-4723-89C6-998E68B5E5E9}"/>
+                </a:ext>
+              </a:extLst>
+            </p:cNvPr>
+            <p:cNvSpPr txBox="1"/>
+            <p:nvPr/>
+          </p:nvSpPr>
+          <p:spPr>
+            <a:xfrm rot="21600000">
+              <a:off x="3441169" y="3050438"/>
+              <a:ext cx="333643" cy="363670"/>
+            </a:xfrm>
+            <a:prstGeom prst="rect">
+              <a:avLst/>
+            </a:prstGeom>
+          </p:spPr>
+          <p:style>
+            <a:lnRef idx="0">
+              <a:scrgbClr r="0" g="0" b="0"/>
+            </a:lnRef>
+            <a:fillRef idx="0">
+              <a:scrgbClr r="0" g="0" b="0"/>
+            </a:fillRef>
+            <a:effectRef idx="0">
+              <a:scrgbClr r="0" g="0" b="0"/>
+            </a:effectRef>
+            <a:fontRef idx="minor">
+              <a:schemeClr val="dk1">
+                <a:hueOff val="0"/>
+                <a:satOff val="0"/>
+                <a:lumOff val="0"/>
+                <a:alphaOff val="0"/>
+              </a:schemeClr>
+            </a:fontRef>
+          </p:style>
+          <p:txBody>
+            <a:bodyPr spcFirstLastPara="0" vert="horz" wrap="square" lIns="0" tIns="0" rIns="0" bIns="0" numCol="1" spcCol="1270" anchor="ctr" anchorCtr="0">
+              <a:noAutofit/>
+            </a:bodyPr>
+            <a:lstStyle/>
+            <a:p>
+              <a:pPr marL="0" lvl="0" indent="0" algn="ctr" defTabSz="977900">
+                <a:lnSpc>
+                  <a:spcPct val="90000"/>
+                </a:lnSpc>
+                <a:spcBef>
+                  <a:spcPct val="0"/>
+                </a:spcBef>
+                <a:spcAft>
+                  <a:spcPct val="35000"/>
+                </a:spcAft>
+                <a:buNone/>
+              </a:pPr>
+              <a:endParaRPr lang="zh-CN" altLang="en-US" sz="2200" kern="1200"/>
+            </a:p>
+          </p:txBody>
+        </p:sp>
+      </p:grpSp>
+      <p:grpSp>
+        <p:nvGrpSpPr>
+          <p:cNvPr id="20" name="组合 19">
+            <a:extLst>
+              <a:ext uri="{FF2B5EF4-FFF2-40B4-BE49-F238E27FC236}">
+                <a16:creationId xmlns:a16="http://schemas.microsoft.com/office/drawing/2014/main" id="{4847C639-8C89-45B1-B4A3-11EA1E125343}"/>
+              </a:ext>
+            </a:extLst>
+          </p:cNvPr>
+          <p:cNvGrpSpPr/>
+          <p:nvPr/>
+        </p:nvGrpSpPr>
+        <p:grpSpPr>
+          <a:xfrm>
+            <a:off x="10016150" y="3600597"/>
+            <a:ext cx="1734343" cy="1734343"/>
+            <a:chOff x="1356108" y="1842161"/>
+            <a:chExt cx="1734343" cy="1734343"/>
+          </a:xfrm>
+        </p:grpSpPr>
+        <p:sp>
+          <p:nvSpPr>
+            <p:cNvPr id="21" name="椭圆 20">
+              <a:extLst>
+                <a:ext uri="{FF2B5EF4-FFF2-40B4-BE49-F238E27FC236}">
+                  <a16:creationId xmlns:a16="http://schemas.microsoft.com/office/drawing/2014/main" id="{FE8EAE4D-2312-421B-9E49-C0DCAC3C48D8}"/>
+                </a:ext>
+              </a:extLst>
+            </p:cNvPr>
+            <p:cNvSpPr/>
+            <p:nvPr/>
+          </p:nvSpPr>
+          <p:spPr>
+            <a:xfrm>
+              <a:off x="1356108" y="1842161"/>
+              <a:ext cx="1734343" cy="1734343"/>
+            </a:xfrm>
+            <a:prstGeom prst="ellipse">
+              <a:avLst/>
+            </a:prstGeom>
+          </p:spPr>
+          <p:style>
+            <a:lnRef idx="2">
+              <a:schemeClr val="accent6">
+                <a:shade val="80000"/>
+                <a:hueOff val="0"/>
+                <a:satOff val="0"/>
+                <a:lumOff val="0"/>
+                <a:alphaOff val="0"/>
+              </a:schemeClr>
+            </a:lnRef>
+            <a:fillRef idx="1">
+              <a:schemeClr val="lt1">
+                <a:hueOff val="0"/>
+                <a:satOff val="0"/>
+                <a:lumOff val="0"/>
+                <a:alphaOff val="0"/>
+              </a:schemeClr>
+            </a:fillRef>
+            <a:effectRef idx="0">
+              <a:schemeClr val="lt1">
+                <a:hueOff val="0"/>
+                <a:satOff val="0"/>
+                <a:lumOff val="0"/>
+                <a:alphaOff val="0"/>
+              </a:schemeClr>
+            </a:effectRef>
+            <a:fontRef idx="minor">
+              <a:schemeClr val="dk1">
+                <a:hueOff val="0"/>
+                <a:satOff val="0"/>
+                <a:lumOff val="0"/>
+                <a:alphaOff val="0"/>
+              </a:schemeClr>
+            </a:fontRef>
+          </p:style>
+        </p:sp>
+        <p:sp>
+          <p:nvSpPr>
+            <p:cNvPr id="22" name="椭圆 4">
+              <a:extLst>
+                <a:ext uri="{FF2B5EF4-FFF2-40B4-BE49-F238E27FC236}">
+                  <a16:creationId xmlns:a16="http://schemas.microsoft.com/office/drawing/2014/main" id="{B6FFDFFE-7BFE-42D5-BD8F-F597A6A1AE60}"/>
+                </a:ext>
+              </a:extLst>
+            </p:cNvPr>
+            <p:cNvSpPr txBox="1"/>
+            <p:nvPr/>
+          </p:nvSpPr>
+          <p:spPr>
+            <a:xfrm>
+              <a:off x="1610097" y="2096150"/>
+              <a:ext cx="1226365" cy="1226365"/>
+            </a:xfrm>
+            <a:prstGeom prst="rect">
+              <a:avLst/>
+            </a:prstGeom>
+          </p:spPr>
+          <p:style>
+            <a:lnRef idx="0">
+              <a:scrgbClr r="0" g="0" b="0"/>
+            </a:lnRef>
+            <a:fillRef idx="0">
+              <a:scrgbClr r="0" g="0" b="0"/>
+            </a:fillRef>
+            <a:effectRef idx="0">
+              <a:scrgbClr r="0" g="0" b="0"/>
+            </a:effectRef>
+            <a:fontRef idx="minor">
+              <a:schemeClr val="dk1">
+                <a:hueOff val="0"/>
+                <a:satOff val="0"/>
+                <a:lumOff val="0"/>
+                <a:alphaOff val="0"/>
+              </a:schemeClr>
+            </a:fontRef>
+          </p:style>
+          <p:txBody>
+            <a:bodyPr spcFirstLastPara="0" vert="horz" wrap="square" lIns="30480" tIns="30480" rIns="30480" bIns="30480" numCol="1" spcCol="1270" anchor="ctr" anchorCtr="0">
+              <a:noAutofit/>
+            </a:bodyPr>
+            <a:lstStyle/>
+            <a:p>
+              <a:pPr marL="0" lvl="0" indent="0" algn="ctr" defTabSz="1066800">
+                <a:lnSpc>
+                  <a:spcPct val="90000"/>
+                </a:lnSpc>
+                <a:spcBef>
+                  <a:spcPct val="0"/>
+                </a:spcBef>
+                <a:spcAft>
+                  <a:spcPct val="35000"/>
+                </a:spcAft>
+                <a:buNone/>
+              </a:pPr>
+              <a:r>
+                <a:rPr lang="en-US" altLang="zh-CN" sz="2400" kern="1200" dirty="0"/>
+                <a:t>OVER</a:t>
+              </a:r>
+              <a:endParaRPr lang="zh-CN" altLang="en-US" sz="2400" kern="1200" dirty="0"/>
+            </a:p>
+          </p:txBody>
+        </p:sp>
+      </p:grpSp>
+      <p:grpSp>
+        <p:nvGrpSpPr>
+          <p:cNvPr id="23" name="组合 22">
+            <a:extLst>
+              <a:ext uri="{FF2B5EF4-FFF2-40B4-BE49-F238E27FC236}">
+                <a16:creationId xmlns:a16="http://schemas.microsoft.com/office/drawing/2014/main" id="{44EAC6D2-64AD-47E0-813B-73B7753F9C76}"/>
+              </a:ext>
+            </a:extLst>
+          </p:cNvPr>
+          <p:cNvGrpSpPr/>
+          <p:nvPr/>
+        </p:nvGrpSpPr>
+        <p:grpSpPr>
+          <a:xfrm rot="10800000">
+            <a:off x="9232692" y="4164709"/>
+            <a:ext cx="476633" cy="606118"/>
+            <a:chOff x="3298179" y="2929214"/>
+            <a:chExt cx="476633" cy="606118"/>
+          </a:xfrm>
+        </p:grpSpPr>
+        <p:sp>
+          <p:nvSpPr>
+            <p:cNvPr id="24" name="箭头: 右 23">
+              <a:extLst>
+                <a:ext uri="{FF2B5EF4-FFF2-40B4-BE49-F238E27FC236}">
+                  <a16:creationId xmlns:a16="http://schemas.microsoft.com/office/drawing/2014/main" id="{489DC481-0893-4E2E-A6A8-49468AA7D3C6}"/>
+                </a:ext>
+              </a:extLst>
+            </p:cNvPr>
+            <p:cNvSpPr/>
+            <p:nvPr/>
+          </p:nvSpPr>
+          <p:spPr>
+            <a:xfrm rot="10800000">
+              <a:off x="3298179" y="2929214"/>
+              <a:ext cx="476633" cy="606118"/>
+            </a:xfrm>
+            <a:prstGeom prst="rightArrow">
+              <a:avLst>
+                <a:gd name="adj1" fmla="val 60000"/>
+                <a:gd name="adj2" fmla="val 50000"/>
+              </a:avLst>
+            </a:prstGeom>
+          </p:spPr>
+          <p:style>
+            <a:lnRef idx="0">
+              <a:schemeClr val="accent6">
+                <a:tint val="60000"/>
+                <a:hueOff val="0"/>
+                <a:satOff val="0"/>
+                <a:lumOff val="0"/>
+                <a:alphaOff val="0"/>
+              </a:schemeClr>
+            </a:lnRef>
+            <a:fillRef idx="1">
+              <a:schemeClr val="accent6">
+                <a:tint val="60000"/>
+                <a:hueOff val="0"/>
+                <a:satOff val="0"/>
+                <a:lumOff val="0"/>
+                <a:alphaOff val="0"/>
+              </a:schemeClr>
+            </a:fillRef>
+            <a:effectRef idx="0">
+              <a:schemeClr val="accent6">
+                <a:tint val="60000"/>
+                <a:hueOff val="0"/>
+                <a:satOff val="0"/>
+                <a:lumOff val="0"/>
+                <a:alphaOff val="0"/>
+              </a:schemeClr>
+            </a:effectRef>
+            <a:fontRef idx="minor">
+              <a:schemeClr val="dk1">
+                <a:hueOff val="0"/>
+                <a:satOff val="0"/>
+                <a:lumOff val="0"/>
+                <a:alphaOff val="0"/>
+              </a:schemeClr>
+            </a:fontRef>
+          </p:style>
+        </p:sp>
+        <p:sp>
+          <p:nvSpPr>
+            <p:cNvPr id="25" name="箭头: 右 4">
+              <a:extLst>
+                <a:ext uri="{FF2B5EF4-FFF2-40B4-BE49-F238E27FC236}">
+                  <a16:creationId xmlns:a16="http://schemas.microsoft.com/office/drawing/2014/main" id="{81631C1D-24F5-4883-9D24-3D995FDBC6EB}"/>
+                </a:ext>
+              </a:extLst>
+            </p:cNvPr>
+            <p:cNvSpPr txBox="1"/>
+            <p:nvPr/>
+          </p:nvSpPr>
+          <p:spPr>
+            <a:xfrm rot="21600000">
+              <a:off x="3441169" y="3050438"/>
+              <a:ext cx="333643" cy="363670"/>
+            </a:xfrm>
+            <a:prstGeom prst="rect">
+              <a:avLst/>
+            </a:prstGeom>
+          </p:spPr>
+          <p:style>
+            <a:lnRef idx="0">
+              <a:scrgbClr r="0" g="0" b="0"/>
+            </a:lnRef>
+            <a:fillRef idx="0">
+              <a:scrgbClr r="0" g="0" b="0"/>
+            </a:fillRef>
+            <a:effectRef idx="0">
+              <a:scrgbClr r="0" g="0" b="0"/>
+            </a:effectRef>
+            <a:fontRef idx="minor">
+              <a:schemeClr val="dk1">
+                <a:hueOff val="0"/>
+                <a:satOff val="0"/>
+                <a:lumOff val="0"/>
+                <a:alphaOff val="0"/>
+              </a:schemeClr>
+            </a:fontRef>
+          </p:style>
+          <p:txBody>
+            <a:bodyPr spcFirstLastPara="0" vert="horz" wrap="square" lIns="0" tIns="0" rIns="0" bIns="0" numCol="1" spcCol="1270" anchor="ctr" anchorCtr="0">
+              <a:noAutofit/>
+            </a:bodyPr>
+            <a:lstStyle/>
+            <a:p>
+              <a:pPr marL="0" lvl="0" indent="0" algn="ctr" defTabSz="977900">
+                <a:lnSpc>
+                  <a:spcPct val="90000"/>
+                </a:lnSpc>
+                <a:spcBef>
+                  <a:spcPct val="0"/>
+                </a:spcBef>
+                <a:spcAft>
+                  <a:spcPct val="35000"/>
+                </a:spcAft>
+                <a:buNone/>
+              </a:pPr>
+              <a:endParaRPr lang="zh-CN" altLang="en-US" sz="2200" kern="1200"/>
+            </a:p>
+          </p:txBody>
+        </p:sp>
+      </p:grpSp>
+      <p:sp>
+        <p:nvSpPr>
+          <p:cNvPr id="26" name="箭头: 环形 25">
+            <a:extLst>
+              <a:ext uri="{FF2B5EF4-FFF2-40B4-BE49-F238E27FC236}">
+                <a16:creationId xmlns:a16="http://schemas.microsoft.com/office/drawing/2014/main" id="{49BEA315-3C7F-4F04-B89D-D31790BF297D}"/>
+              </a:ext>
+            </a:extLst>
+          </p:cNvPr>
+          <p:cNvSpPr/>
+          <p:nvPr/>
+        </p:nvSpPr>
+        <p:spPr>
+          <a:xfrm>
+            <a:off x="7245812" y="2832022"/>
+            <a:ext cx="1075384" cy="1193955"/>
+          </a:xfrm>
+          <a:prstGeom prst="circularArrow">
+            <a:avLst/>
+          </a:prstGeom>
+          <a:solidFill>
+            <a:schemeClr val="accent6">
+              <a:alpha val="50000"/>
+            </a:schemeClr>
+          </a:solidFill>
+          <a:ln>
+            <a:noFill/>
+          </a:ln>
+        </p:spPr>
+        <p:style>
+          <a:lnRef idx="0">
+            <a:scrgbClr r="0" g="0" b="0"/>
+          </a:lnRef>
+          <a:fillRef idx="0">
+            <a:scrgbClr r="0" g="0" b="0"/>
+          </a:fillRef>
+          <a:effectRef idx="0">
+            <a:scrgbClr r="0" g="0" b="0"/>
+          </a:effectRef>
+          <a:fontRef idx="minor">
+            <a:schemeClr val="lt1"/>
+          </a:fontRef>
+        </p:style>
+        <p:txBody>
+          <a:bodyPr rtlCol="0" anchor="ctr"/>
+          <a:lstStyle/>
+          <a:p>
+            <a:pPr algn="ctr"/>
+            <a:endParaRPr lang="zh-CN" altLang="en-US">
+              <a:solidFill>
+                <a:schemeClr val="tx1"/>
+              </a:solidFill>
+            </a:endParaRPr>
+          </a:p>
+        </p:txBody>
+      </p:sp>
+      <p:sp>
+        <p:nvSpPr>
+          <p:cNvPr id="30" name="箭头: 上弧形 29">
+            <a:extLst>
+              <a:ext uri="{FF2B5EF4-FFF2-40B4-BE49-F238E27FC236}">
+                <a16:creationId xmlns:a16="http://schemas.microsoft.com/office/drawing/2014/main" id="{A93A493D-AA3D-44A0-8CF8-F5ED4FF321C5}"/>
+              </a:ext>
+            </a:extLst>
+          </p:cNvPr>
+          <p:cNvSpPr/>
+          <p:nvPr/>
+        </p:nvSpPr>
+        <p:spPr>
+          <a:xfrm rot="10800000">
+            <a:off x="4105439" y="5534068"/>
+            <a:ext cx="7051250" cy="999241"/>
+          </a:xfrm>
+          <a:prstGeom prst="curvedDownArrow">
+            <a:avLst/>
+          </a:prstGeom>
+          <a:solidFill>
+            <a:schemeClr val="accent6">
+              <a:alpha val="50000"/>
+            </a:schemeClr>
+          </a:solidFill>
+          <a:ln>
+            <a:noFill/>
+          </a:ln>
+        </p:spPr>
+        <p:style>
+          <a:lnRef idx="0">
+            <a:scrgbClr r="0" g="0" b="0"/>
+          </a:lnRef>
+          <a:fillRef idx="0">
+            <a:scrgbClr r="0" g="0" b="0"/>
+          </a:fillRef>
+          <a:effectRef idx="0">
+            <a:scrgbClr r="0" g="0" b="0"/>
+          </a:effectRef>
+          <a:fontRef idx="minor">
+            <a:schemeClr val="lt1"/>
+          </a:fontRef>
+        </p:style>
+        <p:txBody>
+          <a:bodyPr rtlCol="0" anchor="ctr"/>
+          <a:lstStyle/>
+          <a:p>
+            <a:pPr algn="ctr"/>
+            <a:endParaRPr lang="zh-CN" altLang="en-US">
+              <a:solidFill>
+                <a:schemeClr val="tx1"/>
+              </a:solidFill>
+            </a:endParaRPr>
+          </a:p>
+        </p:txBody>
+      </p:sp>
+    </p:spTree>
+    <p:extLst>
+      <p:ext uri="{BB962C8B-B14F-4D97-AF65-F5344CB8AC3E}">
+        <p14:creationId xmlns:p14="http://schemas.microsoft.com/office/powerpoint/2010/main" val="2168060218"/>
+      </p:ext>
+    </p:extLst>
+  </p:cSld>
+  <p:clrMapOvr>
+    <a:masterClrMapping/>
+  </p:clrMapOvr>
+</p:sld>
+</file>
+
 <file path=ppt/theme/theme1.xml><?xml version="1.0" encoding="utf-8"?>
 <a:theme xmlns:a="http://schemas.openxmlformats.org/drawingml/2006/main" name="Office 主题​​">
   <a:themeElements>
